--- a/multiple_gpus_gluon/Multi_GPU_and_Distributed_Training.pptx
+++ b/multiple_gpus_gluon/Multi_GPU_and_Distributed_Training.pptx
@@ -403,7 +403,7 @@
             <a:fld id="{0B25AC41-3BEC-9247-8322-91B80C013F2D}" type="datetimeFigureOut">
               <a:rPr lang="en-US" smtClean="0"/>
               <a:pPr/>
-              <a:t>12/4/18</a:t>
+              <a:t>12/9/18</a:t>
             </a:fld>
             <a:endParaRPr lang="en-US" dirty="0"/>
           </a:p>
@@ -30343,20 +30343,21 @@
             </a:r>
             <a:r>
               <a:rPr lang="de-DE" b="1" dirty="0" err="1"/>
-              <a:t>ishitori</a:t>
+              <a:t>Ishitori</a:t>
             </a:r>
             <a:r>
               <a:rPr lang="de-DE" b="1" dirty="0"/>
               <a:t>/</a:t>
             </a:r>
             <a:r>
-              <a:rPr lang="de-DE" b="1" dirty="0" err="1"/>
-              <a:t>HSBC.git</a:t>
-            </a:r>
-            <a:r>
-              <a:rPr lang="de-DE" i="1" dirty="0"/>
+              <a:rPr lang="de-DE" b="1"/>
+              <a:t>MXNetWorkshopHongKong</a:t>
+            </a:r>
+            <a:r>
+              <a:rPr lang="de-DE" i="1"/>
               <a:t>`</a:t>
             </a:r>
+            <a:endParaRPr lang="de-DE" i="1" dirty="0"/>
           </a:p>
           <a:p>
             <a:pPr marL="285750" indent="-285750">
@@ -31086,6 +31087,15 @@
 </file>
 
 <file path=customXml/item1.xml><?xml version="1.0" encoding="utf-8"?>
+<?mso-contentType ?>
+<FormTemplates xmlns="http://schemas.microsoft.com/sharepoint/v3/contenttype/forms">
+  <Display>DocumentLibraryForm</Display>
+  <Edit>DocumentLibraryForm</Edit>
+  <New>DocumentLibraryForm</New>
+</FormTemplates>
+</file>
+
+<file path=customXml/item2.xml><?xml version="1.0" encoding="utf-8"?>
 <ct:contentTypeSchema xmlns:ct="http://schemas.microsoft.com/office/2006/metadata/contentType" xmlns:ma="http://schemas.microsoft.com/office/2006/metadata/properties/metaAttributes" ct:_="" ma:_="" ma:contentTypeName="Document" ma:contentTypeID="0x010100D26A3D6C04DFD740953BA1B2B9E62D60" ma:contentTypeVersion="0" ma:contentTypeDescription="Create a new document." ma:contentTypeScope="" ma:versionID="26617cd14cd3af163c0e97ff614e520a">
   <xsd:schema xmlns:xsd="http://www.w3.org/2001/XMLSchema" xmlns:xs="http://www.w3.org/2001/XMLSchema" xmlns:p="http://schemas.microsoft.com/office/2006/metadata/properties" targetNamespace="http://schemas.microsoft.com/office/2006/metadata/properties" ma:root="true" ma:fieldsID="c64490b4aec6201516c3a874156f37b2">
     <xsd:element name="properties">
@@ -31199,15 +31209,6 @@
 </ct:contentTypeSchema>
 </file>
 
-<file path=customXml/item2.xml><?xml version="1.0" encoding="utf-8"?>
-<?mso-contentType ?>
-<FormTemplates xmlns="http://schemas.microsoft.com/sharepoint/v3/contenttype/forms">
-  <Display>DocumentLibraryForm</Display>
-  <Edit>DocumentLibraryForm</Edit>
-  <New>DocumentLibraryForm</New>
-</FormTemplates>
-</file>
-
 <file path=customXml/item3.xml><?xml version="1.0" encoding="utf-8"?>
 <p:properties xmlns:p="http://schemas.microsoft.com/office/2006/metadata/properties" xmlns:xsi="http://www.w3.org/2001/XMLSchema-instance">
   <documentManagement/>
@@ -31215,6 +31216,14 @@
 </file>
 
 <file path=customXml/itemProps1.xml><?xml version="1.0" encoding="utf-8"?>
+<ds:datastoreItem xmlns:ds="http://schemas.openxmlformats.org/officeDocument/2006/customXml" ds:itemID="{705B35A6-8B52-46A5-AE45-B98C6459DC10}">
+  <ds:schemaRefs>
+    <ds:schemaRef ds:uri="http://schemas.microsoft.com/sharepoint/v3/contenttype/forms"/>
+  </ds:schemaRefs>
+</ds:datastoreItem>
+</file>
+
+<file path=customXml/itemProps2.xml><?xml version="1.0" encoding="utf-8"?>
 <ds:datastoreItem xmlns:ds="http://schemas.openxmlformats.org/officeDocument/2006/customXml" ds:itemID="{51A3258A-222C-4488-825E-7520D001FB75}">
   <ds:schemaRefs>
     <ds:schemaRef ds:uri="http://schemas.microsoft.com/office/2006/metadata/contentType"/>
@@ -31226,14 +31235,6 @@
     <ds:schemaRef ds:uri="http://purl.org/dc/terms/"/>
     <ds:schemaRef ds:uri="http://schemas.microsoft.com/internal/obd"/>
     <ds:schemaRef ds:uri="http://schemas.microsoft.com/office/infopath/2007/PartnerControls"/>
-  </ds:schemaRefs>
-</ds:datastoreItem>
-</file>
-
-<file path=customXml/itemProps2.xml><?xml version="1.0" encoding="utf-8"?>
-<ds:datastoreItem xmlns:ds="http://schemas.openxmlformats.org/officeDocument/2006/customXml" ds:itemID="{705B35A6-8B52-46A5-AE45-B98C6459DC10}">
-  <ds:schemaRefs>
-    <ds:schemaRef ds:uri="http://schemas.microsoft.com/sharepoint/v3/contenttype/forms"/>
   </ds:schemaRefs>
 </ds:datastoreItem>
 </file>
